--- a/5. CSS/Lectures/1. CSS-Overview.pptx
+++ b/5. CSS/Lectures/1. CSS-Overview.pptx
@@ -324,7 +324,7 @@
             <a:fld id="{3BF7C7B5-275F-4D1F-9AB4-9255447DBC73}" type="datetimeFigureOut">
               <a:rPr lang="en-US"/>
               <a:pPr/>
-              <a:t>14-Dec-12</a:t>
+              <a:t>3/31/2014</a:t>
             </a:fld>
             <a:endParaRPr lang="en-US" dirty="0"/>
           </a:p>
@@ -555,7 +555,7 @@
             <a:fld id="{9B46F231-FB2B-4655-A644-E2477325E686}" type="datetimeFigureOut">
               <a:rPr lang="en-US"/>
               <a:pPr/>
-              <a:t>14-Dec-12</a:t>
+              <a:t>3/31/2014</a:t>
             </a:fld>
             <a:endParaRPr lang="en-US" dirty="0"/>
           </a:p>
@@ -6043,156 +6043,6 @@
           </a:p>
         </p:txBody>
       </p:sp>
-      <p:sp>
-        <p:nvSpPr>
-          <p:cNvPr id="4" name="Text Placeholder 3"/>
-          <p:cNvSpPr>
-            <a:spLocks noGrp="1"/>
-          </p:cNvSpPr>
-          <p:nvPr>
-            <p:ph type="body" sz="quarter" idx="10"/>
-          </p:nvPr>
-        </p:nvSpPr>
-        <p:spPr>
-          <a:xfrm>
-            <a:off x="444500" y="4648200"/>
-            <a:ext cx="3352800" cy="523220"/>
-          </a:xfrm>
-        </p:spPr>
-        <p:txBody>
-          <a:bodyPr/>
-          <a:lstStyle/>
-          <a:p>
-            <a:r>
-              <a:rPr lang="en-US" dirty="0" smtClean="0"/>
-              <a:t>Doncho Minkov</a:t>
-            </a:r>
-            <a:endParaRPr lang="en-US" dirty="0"/>
-          </a:p>
-        </p:txBody>
-      </p:sp>
-      <p:sp>
-        <p:nvSpPr>
-          <p:cNvPr id="5" name="Text Placeholder 4"/>
-          <p:cNvSpPr>
-            <a:spLocks noGrp="1"/>
-          </p:cNvSpPr>
-          <p:nvPr>
-            <p:ph type="body" sz="quarter" idx="11"/>
-          </p:nvPr>
-        </p:nvSpPr>
-        <p:spPr>
-          <a:xfrm>
-            <a:off x="457200" y="5833646"/>
-            <a:ext cx="2796278" cy="646331"/>
-          </a:xfrm>
-        </p:spPr>
-        <p:txBody>
-          <a:bodyPr/>
-          <a:lstStyle/>
-          <a:p>
-            <a:r>
-              <a:rPr lang="en-US" dirty="0" smtClean="0"/>
-              <a:t>Telerik Web Design Course</a:t>
-            </a:r>
-            <a:endParaRPr lang="en-US" dirty="0"/>
-          </a:p>
-          <a:p>
-            <a:endParaRPr lang="en-US" dirty="0"/>
-          </a:p>
-        </p:txBody>
-      </p:sp>
-      <p:sp>
-        <p:nvSpPr>
-          <p:cNvPr id="6" name="Text Placeholder 5"/>
-          <p:cNvSpPr>
-            <a:spLocks noGrp="1"/>
-          </p:cNvSpPr>
-          <p:nvPr>
-            <p:ph type="body" sz="quarter" idx="12"/>
-          </p:nvPr>
-        </p:nvSpPr>
-        <p:spPr>
-          <a:xfrm>
-            <a:off x="457200" y="6138446"/>
-            <a:ext cx="2590800" cy="584775"/>
-          </a:xfrm>
-        </p:spPr>
-        <p:txBody>
-          <a:bodyPr/>
-          <a:lstStyle/>
-          <a:p>
-            <a:r>
-              <a:rPr lang="en-US" dirty="0" smtClean="0">
-                <a:hlinkClick r:id="rId3"/>
-              </a:rPr>
-              <a:t>html5course.telerik.com</a:t>
-            </a:r>
-            <a:r>
-              <a:rPr lang="en-US" dirty="0" smtClean="0"/>
-              <a:t> </a:t>
-            </a:r>
-            <a:endParaRPr lang="en-US" dirty="0"/>
-          </a:p>
-        </p:txBody>
-      </p:sp>
-      <p:sp>
-        <p:nvSpPr>
-          <p:cNvPr id="11" name="Text Placeholder 10"/>
-          <p:cNvSpPr>
-            <a:spLocks noGrp="1"/>
-          </p:cNvSpPr>
-          <p:nvPr>
-            <p:ph type="body" sz="quarter" idx="13"/>
-          </p:nvPr>
-        </p:nvSpPr>
-        <p:spPr>
-          <a:xfrm>
-            <a:off x="457200" y="5105400"/>
-            <a:ext cx="4038600" cy="446276"/>
-          </a:xfrm>
-        </p:spPr>
-        <p:txBody>
-          <a:bodyPr/>
-          <a:lstStyle/>
-          <a:p>
-            <a:r>
-              <a:rPr lang="en-US" dirty="0" smtClean="0"/>
-              <a:t>Technical Trainer</a:t>
-            </a:r>
-            <a:endParaRPr lang="en-US" dirty="0"/>
-          </a:p>
-        </p:txBody>
-      </p:sp>
-      <p:sp>
-        <p:nvSpPr>
-          <p:cNvPr id="12" name="Text Placeholder 11"/>
-          <p:cNvSpPr>
-            <a:spLocks noGrp="1"/>
-          </p:cNvSpPr>
-          <p:nvPr>
-            <p:ph type="body" sz="quarter" idx="14"/>
-          </p:nvPr>
-        </p:nvSpPr>
-        <p:spPr/>
-        <p:txBody>
-          <a:bodyPr/>
-          <a:lstStyle/>
-          <a:p>
-            <a:r>
-              <a:rPr lang="en-US" dirty="0" smtClean="0">
-                <a:hlinkClick r:id="rId4"/>
-              </a:rPr>
-              <a:t>http://minkov.it</a:t>
-            </a:r>
-            <a:r>
-              <a:rPr lang="en-US" dirty="0" smtClean="0"/>
-              <a:t> </a:t>
-            </a:r>
-            <a:endParaRPr lang="en-US" dirty="0"/>
-          </a:p>
-        </p:txBody>
-      </p:sp>
       <p:pic>
         <p:nvPicPr>
           <p:cNvPr id="80898" name="Picture 2" descr="http://www.dlocc.com/articles/wp-content/uploads/2009/12/css-icon.png"/>
@@ -6202,7 +6052,7 @@
           <p:nvPr/>
         </p:nvPicPr>
         <p:blipFill>
-          <a:blip r:embed="rId5" cstate="print">
+          <a:blip r:embed="rId3" cstate="print">
             <a:extLst>
               <a:ext uri="{28A0092B-C50C-407E-A947-70E740481C1C}">
                 <a14:useLocalDpi xmlns:a14="http://schemas.microsoft.com/office/drawing/2010/main"/>
@@ -6234,7 +6084,7 @@
           <p:nvPr/>
         </p:nvPicPr>
         <p:blipFill>
-          <a:blip r:embed="rId6" cstate="print">
+          <a:blip r:embed="rId4" cstate="print">
             <a:extLst>
               <a:ext uri="{28A0092B-C50C-407E-A947-70E740481C1C}">
                 <a14:useLocalDpi xmlns:a14="http://schemas.microsoft.com/office/drawing/2010/main"/>
@@ -6266,7 +6116,7 @@
           <p:nvPr/>
         </p:nvPicPr>
         <p:blipFill>
-          <a:blip r:embed="rId7" cstate="print">
+          <a:blip r:embed="rId5" cstate="print">
             <a:extLst>
               <a:ext uri="{28A0092B-C50C-407E-A947-70E740481C1C}">
                 <a14:useLocalDpi xmlns:a14="http://schemas.microsoft.com/office/drawing/2010/main"/>
@@ -6298,6 +6148,70 @@
               </a:schemeClr>
             </a:glow>
           </a:effectLst>
+        </p:spPr>
+      </p:pic>
+      <p:pic>
+        <p:nvPicPr>
+          <p:cNvPr id="20" name="Picture 2"/>
+          <p:cNvPicPr>
+            <a:picLocks noChangeAspect="1" noChangeArrowheads="1"/>
+          </p:cNvPicPr>
+          <p:nvPr/>
+        </p:nvPicPr>
+        <p:blipFill>
+          <a:blip r:embed="rId6">
+            <a:extLst>
+              <a:ext uri="{28A0092B-C50C-407E-A947-70E740481C1C}">
+                <a14:useLocalDpi xmlns:a14="http://schemas.microsoft.com/office/drawing/2010/main" val="0"/>
+              </a:ext>
+            </a:extLst>
+          </a:blip>
+          <a:srcRect/>
+          <a:stretch>
+            <a:fillRect/>
+          </a:stretch>
+        </p:blipFill>
+        <p:spPr bwMode="auto">
+          <a:xfrm>
+            <a:off x="164305" y="5257800"/>
+            <a:ext cx="4090987" cy="1219200"/>
+          </a:xfrm>
+          <a:prstGeom prst="rect">
+            <a:avLst/>
+          </a:prstGeom>
+          <a:noFill/>
+          <a:ln>
+            <a:noFill/>
+          </a:ln>
+          <a:effectLst/>
+          <a:extLst>
+            <a:ext uri="{909E8E84-426E-40DD-AFC4-6F175D3DCCD1}">
+              <a14:hiddenFill xmlns:a14="http://schemas.microsoft.com/office/drawing/2010/main">
+                <a:solidFill>
+                  <a:schemeClr val="accent1"/>
+                </a:solidFill>
+              </a14:hiddenFill>
+            </a:ext>
+            <a:ext uri="{91240B29-F687-4F45-9708-019B960494DF}">
+              <a14:hiddenLine xmlns:a14="http://schemas.microsoft.com/office/drawing/2010/main" w="9525">
+                <a:solidFill>
+                  <a:schemeClr val="tx1"/>
+                </a:solidFill>
+                <a:miter lim="800000"/>
+                <a:headEnd/>
+                <a:tailEnd/>
+              </a14:hiddenLine>
+            </a:ext>
+            <a:ext uri="{AF507438-7753-43E0-B8FC-AC1667EBCBE1}">
+              <a14:hiddenEffects xmlns:a14="http://schemas.microsoft.com/office/drawing/2010/main">
+                <a:effectLst>
+                  <a:outerShdw dist="35921" dir="2700000" algn="ctr" rotWithShape="0">
+                    <a:schemeClr val="bg2"/>
+                  </a:outerShdw>
+                </a:effectLst>
+              </a14:hiddenEffects>
+            </a:ext>
+          </a:extLst>
         </p:spPr>
       </p:pic>
     </p:spTree>
@@ -14905,11 +14819,7 @@
             </a:r>
             <a:r>
               <a:rPr lang="en-US" dirty="0" smtClean="0"/>
-              <a:t> </a:t>
-            </a:r>
-            <a:r>
-              <a:rPr lang="en-US" dirty="0" smtClean="0"/>
-              <a:t>files</a:t>
+              <a:t> files</a:t>
             </a:r>
           </a:p>
           <a:p>
